--- a/tutorial/tutorial.pptx
+++ b/tutorial/tutorial.pptx
@@ -226,7 +226,7 @@
           <a:p>
             <a:fld id="{C06E50B8-2EF8-564F-AE86-D84E6C503530}" type="datetimeFigureOut">
               <a:rPr lang="en-US" smtClean="0"/>
-              <a:t>11/29/19</a:t>
+              <a:t>11/30/19</a:t>
             </a:fld>
             <a:endParaRPr lang="en-US"/>
           </a:p>
@@ -403,7 +403,7 @@
           <a:p>
             <a:fld id="{13AC8D20-1945-7145-91A2-3D134BDA25E2}" type="datetimeFigureOut">
               <a:rPr lang="en-US" smtClean="0"/>
-              <a:t>11/29/19</a:t>
+              <a:t>11/30/19</a:t>
             </a:fld>
             <a:endParaRPr lang="en-US"/>
           </a:p>
@@ -1213,7 +1213,7 @@
           <a:p>
             <a:fld id="{ABD4F8E3-4ED9-44B4-99E6-8A3D2CF8D415}" type="datetime4">
               <a:rPr lang="en-US" smtClean="0"/>
-              <a:t>November 29, 2019</a:t>
+              <a:t>November 30, 2019</a:t>
             </a:fld>
             <a:endParaRPr lang="en-US" dirty="0"/>
           </a:p>
@@ -1722,7 +1722,7 @@
             <a:fld id="{9B7EE7B1-A6C1-4E39-8665-A73ED03F32E1}" type="datetimeFigureOut">
               <a:rPr lang="en-US" smtClean="0"/>
               <a:pPr/>
-              <a:t>11/29/19</a:t>
+              <a:t>11/30/19</a:t>
             </a:fld>
             <a:endParaRPr lang="en-US" dirty="0"/>
           </a:p>
@@ -2147,7 +2147,7 @@
             <a:fld id="{9B7EE7B1-A6C1-4E39-8665-A73ED03F32E1}" type="datetimeFigureOut">
               <a:rPr lang="en-US" smtClean="0"/>
               <a:pPr/>
-              <a:t>11/29/19</a:t>
+              <a:t>11/30/19</a:t>
             </a:fld>
             <a:endParaRPr lang="en-US" dirty="0"/>
           </a:p>
@@ -2572,7 +2572,7 @@
             <a:fld id="{9B7EE7B1-A6C1-4E39-8665-A73ED03F32E1}" type="datetimeFigureOut">
               <a:rPr lang="en-US" smtClean="0"/>
               <a:pPr/>
-              <a:t>11/29/19</a:t>
+              <a:t>11/30/19</a:t>
             </a:fld>
             <a:endParaRPr lang="en-US" dirty="0"/>
           </a:p>
@@ -3500,7 +3500,7 @@
             <a:fld id="{9B7EE7B1-A6C1-4E39-8665-A73ED03F32E1}" type="datetimeFigureOut">
               <a:rPr lang="en-US" smtClean="0"/>
               <a:pPr/>
-              <a:t>11/29/19</a:t>
+              <a:t>11/30/19</a:t>
             </a:fld>
             <a:endParaRPr lang="en-US" dirty="0"/>
           </a:p>
@@ -4616,7 +4616,7 @@
             <a:fld id="{9B7EE7B1-A6C1-4E39-8665-A73ED03F32E1}" type="datetimeFigureOut">
               <a:rPr lang="en-US" smtClean="0"/>
               <a:pPr/>
-              <a:t>11/29/19</a:t>
+              <a:t>11/30/19</a:t>
             </a:fld>
             <a:endParaRPr lang="en-US" dirty="0"/>
           </a:p>
@@ -5758,7 +5758,7 @@
             <a:fld id="{9B7EE7B1-A6C1-4E39-8665-A73ED03F32E1}" type="datetimeFigureOut">
               <a:rPr lang="en-US" smtClean="0"/>
               <a:pPr/>
-              <a:t>11/29/19</a:t>
+              <a:t>11/30/19</a:t>
             </a:fld>
             <a:endParaRPr lang="en-US" dirty="0"/>
           </a:p>
@@ -6033,7 +6033,7 @@
             <a:fld id="{9B7EE7B1-A6C1-4E39-8665-A73ED03F32E1}" type="datetimeFigureOut">
               <a:rPr lang="en-US" smtClean="0"/>
               <a:pPr/>
-              <a:t>11/29/19</a:t>
+              <a:t>11/30/19</a:t>
             </a:fld>
             <a:endParaRPr lang="en-US" dirty="0"/>
           </a:p>
@@ -6790,7 +6790,14 @@
           <a:bodyPr/>
           <a:lstStyle/>
           <a:p>
-            <a:endParaRPr lang="en-US"/>
+            <a:r>
+              <a:rPr lang="en-US" dirty="0" err="1"/>
+              <a:t>TAZeR</a:t>
+            </a:r>
+            <a:r>
+              <a:rPr lang="en-US" dirty="0"/>
+              <a:t>: Brief Tutorial</a:t>
+            </a:r>
           </a:p>
         </p:txBody>
       </p:sp>
@@ -6815,61 +6822,20 @@
           <a:bodyPr/>
           <a:lstStyle/>
           <a:p>
-            <a:endParaRPr lang="en-US"/>
-          </a:p>
-        </p:txBody>
-      </p:sp>
-      <p:sp>
-        <p:nvSpPr>
-          <p:cNvPr id="5" name="Text Placeholder 4">
-            <a:extLst>
-              <a:ext uri="{FF2B5EF4-FFF2-40B4-BE49-F238E27FC236}">
-                <a16:creationId xmlns:a16="http://schemas.microsoft.com/office/drawing/2014/main" id="{2599C3C0-764A-4145-9480-D79B28BB6551}"/>
-              </a:ext>
-            </a:extLst>
-          </p:cNvPr>
-          <p:cNvSpPr>
-            <a:spLocks noGrp="1"/>
-          </p:cNvSpPr>
-          <p:nvPr>
-            <p:ph type="body" sz="quarter" idx="11"/>
-          </p:nvPr>
-        </p:nvSpPr>
-        <p:spPr/>
-        <p:txBody>
-          <a:bodyPr/>
-          <a:lstStyle/>
-          <a:p>
-            <a:endParaRPr lang="en-US"/>
-          </a:p>
-        </p:txBody>
-      </p:sp>
-      <p:sp>
-        <p:nvSpPr>
-          <p:cNvPr id="6" name="Date Placeholder 5">
-            <a:extLst>
-              <a:ext uri="{FF2B5EF4-FFF2-40B4-BE49-F238E27FC236}">
-                <a16:creationId xmlns:a16="http://schemas.microsoft.com/office/drawing/2014/main" id="{B8696A4F-5314-46CD-B205-CC2D44570D66}"/>
-              </a:ext>
-            </a:extLst>
-          </p:cNvPr>
-          <p:cNvSpPr>
-            <a:spLocks noGrp="1"/>
-          </p:cNvSpPr>
-          <p:nvPr>
-            <p:ph type="dt" sz="half" idx="2"/>
-          </p:nvPr>
-        </p:nvSpPr>
-        <p:spPr/>
-        <p:txBody>
-          <a:bodyPr/>
-          <a:lstStyle/>
-          <a:p>
-            <a:fld id="{4E130ED9-0C27-4EF1-9F86-D29E4EA507BE}" type="datetime4">
-              <a:rPr lang="en-US" smtClean="0"/>
-              <a:t>November 29, 2019</a:t>
-            </a:fld>
-            <a:endParaRPr lang="en-US" dirty="0"/>
+            <a:pPr marL="0" indent="0" algn="l" defTabSz="1097280" rtl="0" eaLnBrk="1" latinLnBrk="0" hangingPunct="1">
+              <a:lnSpc>
+                <a:spcPct val="90000"/>
+              </a:lnSpc>
+              <a:spcBef>
+                <a:spcPts val="1200"/>
+              </a:spcBef>
+              <a:buFont typeface="Arial" panose="020B0604020202020204" pitchFamily="34" charset="0"/>
+              <a:buNone/>
+            </a:pPr>
+            <a:r>
+              <a:rPr lang="en-US" dirty="0"/>
+              <a:t>Ryan Friese</a:t>
+            </a:r>
           </a:p>
         </p:txBody>
       </p:sp>
